--- a/doc/et_prototype.pptx
+++ b/doc/et_prototype.pptx
@@ -3443,7 +3443,7 @@
         </p:nvSpPr>
         <p:spPr>
           <a:xfrm>
-            <a:off x="1702999" y="3810267"/>
+            <a:off x="1702999" y="3819889"/>
             <a:ext cx="5869094" cy="1754327"/>
           </a:xfrm>
           <a:prstGeom prst="rect">
@@ -3478,8 +3478,13 @@
             </a:pPr>
             <a:r>
               <a:rPr lang="en-US" dirty="0" smtClean="0"/>
-              <a:t> Signs it</a:t>
-            </a:r>
+              <a:t> </a:t>
+            </a:r>
+            <a:r>
+              <a:rPr lang="en-US" dirty="0" smtClean="0"/>
+              <a:t>Creates a secure document</a:t>
+            </a:r>
+            <a:endParaRPr lang="en-US" dirty="0" smtClean="0"/>
           </a:p>
           <a:p>
             <a:pPr>
@@ -3656,12 +3661,22 @@
         </p:nvSpPr>
         <p:spPr/>
         <p:txBody>
-          <a:bodyPr/>
-          <a:lstStyle/>
-          <a:p>
-            <a:r>
-              <a:rPr lang="en-US" dirty="0" smtClean="0"/>
-              <a:t>LTI 2 partner registration</a:t>
+          <a:bodyPr>
+            <a:normAutofit fontScale="90000"/>
+          </a:bodyPr>
+          <a:lstStyle/>
+          <a:p>
+            <a:r>
+              <a:rPr lang="en-US" dirty="0" smtClean="0"/>
+              <a:t>LTI 2</a:t>
+            </a:r>
+            <a:r>
+              <a:rPr lang="en-US" dirty="0" smtClean="0"/>
+              <a:t> technology partner </a:t>
+            </a:r>
+            <a:r>
+              <a:rPr lang="en-US" dirty="0" smtClean="0"/>
+              <a:t>registration</a:t>
             </a:r>
             <a:endParaRPr lang="en-US" dirty="0"/>
           </a:p>
@@ -3973,8 +3988,8 @@
         </p:nvSpPr>
         <p:spPr>
           <a:xfrm>
-            <a:off x="1702999" y="3810267"/>
-            <a:ext cx="5869094" cy="2308324"/>
+            <a:off x="1702999" y="3429000"/>
+            <a:ext cx="5869094" cy="2862323"/>
           </a:xfrm>
           <a:prstGeom prst="rect">
             <a:avLst/>
@@ -4044,7 +4059,35 @@
             </a:pPr>
             <a:r>
               <a:rPr lang="en-US" dirty="0" smtClean="0"/>
-              <a:t> signing code is just being integrated</a:t>
+              <a:t> which creates a signed </a:t>
+            </a:r>
+            <a:r>
+              <a:rPr lang="en-US" dirty="0" err="1" smtClean="0"/>
+              <a:t>eTranscript</a:t>
+            </a:r>
+            <a:r>
+              <a:rPr lang="en-US" dirty="0" smtClean="0"/>
+              <a:t> credential</a:t>
+            </a:r>
+          </a:p>
+          <a:p>
+            <a:pPr lvl="1">
+              <a:buFont typeface="Arial"/>
+              <a:buChar char="•"/>
+            </a:pPr>
+            <a:r>
+              <a:rPr lang="en-US" dirty="0" smtClean="0"/>
+              <a:t> along with a signed credential in the form of a badge</a:t>
+            </a:r>
+          </a:p>
+          <a:p>
+            <a:pPr lvl="1">
+              <a:buFont typeface="Arial"/>
+              <a:buChar char="•"/>
+            </a:pPr>
+            <a:r>
+              <a:rPr lang="en-US" dirty="0" smtClean="0"/>
+              <a:t> allows a recipient to store that badge in their backpack</a:t>
             </a:r>
           </a:p>
           <a:p>
@@ -4062,11 +4105,27 @@
             </a:r>
             <a:r>
               <a:rPr lang="en-US" dirty="0" smtClean="0"/>
-              <a:t> Producer stores the document into an pool of </a:t>
-            </a:r>
-            <a:r>
-              <a:rPr lang="en-US" dirty="0" smtClean="0"/>
-              <a:t>available </a:t>
+              <a:t> Producer</a:t>
+            </a:r>
+            <a:r>
+              <a:rPr lang="en-US" dirty="0" smtClean="0"/>
+              <a:t> </a:t>
+            </a:r>
+            <a:r>
+              <a:rPr lang="en-US" smtClean="0"/>
+              <a:t>generates and stores </a:t>
+            </a:r>
+            <a:r>
+              <a:rPr lang="en-US" dirty="0" smtClean="0"/>
+              <a:t>the document into </a:t>
+            </a:r>
+            <a:r>
+              <a:rPr lang="en-US" dirty="0" smtClean="0"/>
+              <a:t>a </a:t>
+            </a:r>
+            <a:r>
+              <a:rPr lang="en-US" dirty="0" smtClean="0"/>
+              <a:t>pool of available </a:t>
             </a:r>
             <a:r>
               <a:rPr lang="en-US" dirty="0" err="1" smtClean="0"/>
@@ -4219,13 +4278,17 @@
         <p:spPr/>
         <p:txBody>
           <a:bodyPr>
-            <a:normAutofit fontScale="90000"/>
+            <a:normAutofit/>
           </a:bodyPr>
           <a:lstStyle/>
           <a:p>
             <a:r>
               <a:rPr lang="en-US" dirty="0" smtClean="0"/>
-              <a:t>Learning system pushes Record of Performance</a:t>
+              <a:t>Rendering of </a:t>
+            </a:r>
+            <a:r>
+              <a:rPr lang="en-US" dirty="0" smtClean="0"/>
+              <a:t>ROP</a:t>
             </a:r>
             <a:endParaRPr lang="en-US" dirty="0"/>
           </a:p>

--- a/doc/et_prototype.pptx
+++ b/doc/et_prototype.pptx
@@ -295,7 +295,7 @@
             <a:fld id="{9F82260A-C627-FB43-9945-35A9F1D3DD90}" type="datetimeFigureOut">
               <a:rPr lang="en-US" smtClean="0"/>
               <a:pPr/>
-              <a:t>8/17/15</a:t>
+              <a:t>10/7/15</a:t>
             </a:fld>
             <a:endParaRPr lang="en-US"/>
           </a:p>
@@ -462,7 +462,7 @@
             <a:fld id="{9F82260A-C627-FB43-9945-35A9F1D3DD90}" type="datetimeFigureOut">
               <a:rPr lang="en-US" smtClean="0"/>
               <a:pPr/>
-              <a:t>8/17/15</a:t>
+              <a:t>10/7/15</a:t>
             </a:fld>
             <a:endParaRPr lang="en-US"/>
           </a:p>
@@ -639,7 +639,7 @@
             <a:fld id="{9F82260A-C627-FB43-9945-35A9F1D3DD90}" type="datetimeFigureOut">
               <a:rPr lang="en-US" smtClean="0"/>
               <a:pPr/>
-              <a:t>8/17/15</a:t>
+              <a:t>10/7/15</a:t>
             </a:fld>
             <a:endParaRPr lang="en-US"/>
           </a:p>
@@ -806,7 +806,7 @@
             <a:fld id="{9F82260A-C627-FB43-9945-35A9F1D3DD90}" type="datetimeFigureOut">
               <a:rPr lang="en-US" smtClean="0"/>
               <a:pPr/>
-              <a:t>8/17/15</a:t>
+              <a:t>10/7/15</a:t>
             </a:fld>
             <a:endParaRPr lang="en-US"/>
           </a:p>
@@ -1049,7 +1049,7 @@
             <a:fld id="{9F82260A-C627-FB43-9945-35A9F1D3DD90}" type="datetimeFigureOut">
               <a:rPr lang="en-US" smtClean="0"/>
               <a:pPr/>
-              <a:t>8/17/15</a:t>
+              <a:t>10/7/15</a:t>
             </a:fld>
             <a:endParaRPr lang="en-US"/>
           </a:p>
@@ -1334,7 +1334,7 @@
             <a:fld id="{9F82260A-C627-FB43-9945-35A9F1D3DD90}" type="datetimeFigureOut">
               <a:rPr lang="en-US" smtClean="0"/>
               <a:pPr/>
-              <a:t>8/17/15</a:t>
+              <a:t>10/7/15</a:t>
             </a:fld>
             <a:endParaRPr lang="en-US"/>
           </a:p>
@@ -1753,7 +1753,7 @@
             <a:fld id="{9F82260A-C627-FB43-9945-35A9F1D3DD90}" type="datetimeFigureOut">
               <a:rPr lang="en-US" smtClean="0"/>
               <a:pPr/>
-              <a:t>8/17/15</a:t>
+              <a:t>10/7/15</a:t>
             </a:fld>
             <a:endParaRPr lang="en-US"/>
           </a:p>
@@ -1868,7 +1868,7 @@
             <a:fld id="{9F82260A-C627-FB43-9945-35A9F1D3DD90}" type="datetimeFigureOut">
               <a:rPr lang="en-US" smtClean="0"/>
               <a:pPr/>
-              <a:t>8/17/15</a:t>
+              <a:t>10/7/15</a:t>
             </a:fld>
             <a:endParaRPr lang="en-US"/>
           </a:p>
@@ -1960,7 +1960,7 @@
             <a:fld id="{9F82260A-C627-FB43-9945-35A9F1D3DD90}" type="datetimeFigureOut">
               <a:rPr lang="en-US" smtClean="0"/>
               <a:pPr/>
-              <a:t>8/17/15</a:t>
+              <a:t>10/7/15</a:t>
             </a:fld>
             <a:endParaRPr lang="en-US"/>
           </a:p>
@@ -2234,7 +2234,7 @@
             <a:fld id="{9F82260A-C627-FB43-9945-35A9F1D3DD90}" type="datetimeFigureOut">
               <a:rPr lang="en-US" smtClean="0"/>
               <a:pPr/>
-              <a:t>8/17/15</a:t>
+              <a:t>10/7/15</a:t>
             </a:fld>
             <a:endParaRPr lang="en-US"/>
           </a:p>
@@ -2484,7 +2484,7 @@
             <a:fld id="{9F82260A-C627-FB43-9945-35A9F1D3DD90}" type="datetimeFigureOut">
               <a:rPr lang="en-US" smtClean="0"/>
               <a:pPr/>
-              <a:t>8/17/15</a:t>
+              <a:t>10/7/15</a:t>
             </a:fld>
             <a:endParaRPr lang="en-US"/>
           </a:p>
@@ -2694,7 +2694,7 @@
             <a:fld id="{9F82260A-C627-FB43-9945-35A9F1D3DD90}" type="datetimeFigureOut">
               <a:rPr lang="en-US" smtClean="0"/>
               <a:pPr/>
-              <a:t>8/17/15</a:t>
+              <a:t>10/7/15</a:t>
             </a:fld>
             <a:endParaRPr lang="en-US"/>
           </a:p>
@@ -3478,13 +3478,8 @@
             </a:pPr>
             <a:r>
               <a:rPr lang="en-US" dirty="0" smtClean="0"/>
-              <a:t> </a:t>
-            </a:r>
-            <a:r>
-              <a:rPr lang="en-US" dirty="0" smtClean="0"/>
-              <a:t>Creates a secure document</a:t>
-            </a:r>
-            <a:endParaRPr lang="en-US" dirty="0" smtClean="0"/>
+              <a:t> Creates a secure document</a:t>
+            </a:r>
           </a:p>
           <a:p>
             <a:pPr>
@@ -3668,15 +3663,7 @@
           <a:p>
             <a:r>
               <a:rPr lang="en-US" dirty="0" smtClean="0"/>
-              <a:t>LTI 2</a:t>
-            </a:r>
-            <a:r>
-              <a:rPr lang="en-US" dirty="0" smtClean="0"/>
-              <a:t> technology partner </a:t>
-            </a:r>
-            <a:r>
-              <a:rPr lang="en-US" dirty="0" smtClean="0"/>
-              <a:t>registration</a:t>
+              <a:t>LTI 2 technology partner registration</a:t>
             </a:r>
             <a:endParaRPr lang="en-US" dirty="0"/>
           </a:p>
@@ -3988,8 +3975,8 @@
         </p:nvSpPr>
         <p:spPr>
           <a:xfrm>
-            <a:off x="1702999" y="3429000"/>
-            <a:ext cx="5869094" cy="2862323"/>
+            <a:off x="1012545" y="3429000"/>
+            <a:ext cx="6834310" cy="2862323"/>
           </a:xfrm>
           <a:prstGeom prst="rect">
             <a:avLst/>
@@ -4077,7 +4064,15 @@
             </a:pPr>
             <a:r>
               <a:rPr lang="en-US" dirty="0" smtClean="0"/>
-              <a:t> along with a signed credential in the form of a badge</a:t>
+              <a:t> along with a signed credential in the form of a </a:t>
+            </a:r>
+            <a:r>
+              <a:rPr lang="en-US" dirty="0" smtClean="0"/>
+              <a:t>badge (</a:t>
+            </a:r>
+            <a:r>
+              <a:rPr lang="en-US" smtClean="0"/>
+              <a:t>not yet)</a:t>
             </a:r>
           </a:p>
           <a:p>
@@ -4105,27 +4100,7 @@
             </a:r>
             <a:r>
               <a:rPr lang="en-US" dirty="0" smtClean="0"/>
-              <a:t> Producer</a:t>
-            </a:r>
-            <a:r>
-              <a:rPr lang="en-US" dirty="0" smtClean="0"/>
-              <a:t> </a:t>
-            </a:r>
-            <a:r>
-              <a:rPr lang="en-US" smtClean="0"/>
-              <a:t>generates and stores </a:t>
-            </a:r>
-            <a:r>
-              <a:rPr lang="en-US" dirty="0" smtClean="0"/>
-              <a:t>the document into </a:t>
-            </a:r>
-            <a:r>
-              <a:rPr lang="en-US" dirty="0" smtClean="0"/>
-              <a:t>a </a:t>
-            </a:r>
-            <a:r>
-              <a:rPr lang="en-US" dirty="0" smtClean="0"/>
-              <a:t>pool of available </a:t>
+              <a:t> Producer generates and stores the document into a pool of available </a:t>
             </a:r>
             <a:r>
               <a:rPr lang="en-US" dirty="0" err="1" smtClean="0"/>
@@ -4284,11 +4259,7 @@
           <a:p>
             <a:r>
               <a:rPr lang="en-US" dirty="0" smtClean="0"/>
-              <a:t>Rendering of </a:t>
-            </a:r>
-            <a:r>
-              <a:rPr lang="en-US" dirty="0" smtClean="0"/>
-              <a:t>ROP</a:t>
+              <a:t>Rendering of ROP</a:t>
             </a:r>
             <a:endParaRPr lang="en-US" dirty="0"/>
           </a:p>
